--- a/UniversityWarsTEST/presentation/University Wars.pptx
+++ b/UniversityWarsTEST/presentation/University Wars.pptx
@@ -110,7 +110,7 @@
   </p:defaultTextStyle>
   <p:extLst>
     <p:ext uri="{EFAFB233-063F-42B5-8137-9DF3F51BA10A}">
-      <p15:sldGuideLst xmlns:p15="http://schemas.microsoft.com/office/powerpoint/2012/main"/>
+      <p15:sldGuideLst xmlns:p15="http://schemas.microsoft.com/office/powerpoint/2012/main" xmlns=""/>
     </p:ext>
   </p:extLst>
 </p:presentation>
@@ -119,11 +119,7 @@
 <file path=ppt/commentAuthors.xml><?xml version="1.0" encoding="utf-8"?>
 <p:cmAuthorLst xmlns:a="http://schemas.openxmlformats.org/drawingml/2006/main" xmlns:r="http://schemas.openxmlformats.org/officeDocument/2006/relationships" xmlns:p="http://schemas.openxmlformats.org/presentationml/2006/main">
   <p:cmAuthor id="1" name="Zhan" initials="Z" lastIdx="1" clrIdx="0">
-    <p:extLst>
-      <p:ext uri="{19B8F6BF-5375-455C-9EA6-DF929625EA0E}">
-        <p15:presenceInfo xmlns:p15="http://schemas.microsoft.com/office/powerpoint/2012/main" userId="Zhan" providerId="None"/>
-      </p:ext>
-    </p:extLst>
+    <p:extLst/>
   </p:cmAuthor>
 </p:cmAuthorLst>
 </file>
@@ -357,7 +353,7 @@
           <a:p>
             <a:fld id="{4AAD347D-5ACD-4C99-B74B-A9C85AD731AF}" type="datetimeFigureOut">
               <a:rPr lang="en-US" smtClean="0"/>
-              <a:t>7/27/2014</a:t>
+              <a:t>31-Jul-14</a:t>
             </a:fld>
             <a:endParaRPr lang="en-US" dirty="0"/>
           </a:p>
@@ -691,7 +687,7 @@
           <a:p>
             <a:fld id="{4AAD347D-5ACD-4C99-B74B-A9C85AD731AF}" type="datetimeFigureOut">
               <a:rPr lang="en-US" smtClean="0"/>
-              <a:t>7/27/2014</a:t>
+              <a:t>31-Jul-14</a:t>
             </a:fld>
             <a:endParaRPr lang="en-US" dirty="0"/>
           </a:p>
@@ -970,7 +966,7 @@
           <a:p>
             <a:fld id="{4AAD347D-5ACD-4C99-B74B-A9C85AD731AF}" type="datetimeFigureOut">
               <a:rPr lang="en-US" smtClean="0"/>
-              <a:t>7/27/2014</a:t>
+              <a:t>31-Jul-14</a:t>
             </a:fld>
             <a:endParaRPr lang="en-US" dirty="0"/>
           </a:p>
@@ -1539,7 +1535,7 @@
           <a:p>
             <a:fld id="{4AAD347D-5ACD-4C99-B74B-A9C85AD731AF}" type="datetimeFigureOut">
               <a:rPr lang="en-US" smtClean="0"/>
-              <a:t>7/27/2014</a:t>
+              <a:t>31-Jul-14</a:t>
             </a:fld>
             <a:endParaRPr lang="en-US" dirty="0"/>
           </a:p>
@@ -1818,7 +1814,7 @@
           <a:p>
             <a:fld id="{4AAD347D-5ACD-4C99-B74B-A9C85AD731AF}" type="datetimeFigureOut">
               <a:rPr lang="en-US" smtClean="0"/>
-              <a:t>7/27/2014</a:t>
+              <a:t>31-Jul-14</a:t>
             </a:fld>
             <a:endParaRPr lang="en-US" dirty="0"/>
           </a:p>
@@ -2381,7 +2377,7 @@
           <a:p>
             <a:fld id="{4AAD347D-5ACD-4C99-B74B-A9C85AD731AF}" type="datetimeFigureOut">
               <a:rPr lang="en-US" smtClean="0"/>
-              <a:t>7/27/2014</a:t>
+              <a:t>31-Jul-14</a:t>
             </a:fld>
             <a:endParaRPr lang="en-US" dirty="0"/>
           </a:p>
@@ -2709,7 +2705,7 @@
           <a:p>
             <a:fld id="{4AAD347D-5ACD-4C99-B74B-A9C85AD731AF}" type="datetimeFigureOut">
               <a:rPr lang="en-US" smtClean="0"/>
-              <a:t>7/27/2014</a:t>
+              <a:t>31-Jul-14</a:t>
             </a:fld>
             <a:endParaRPr lang="en-US" dirty="0"/>
           </a:p>
@@ -2915,7 +2911,7 @@
           <a:p>
             <a:fld id="{4509A250-FF31-4206-8172-F9D3106AACB1}" type="datetimeFigureOut">
               <a:rPr lang="en-US" smtClean="0"/>
-              <a:t>7/27/2014</a:t>
+              <a:t>31-Jul-14</a:t>
             </a:fld>
             <a:endParaRPr lang="en-US" dirty="0"/>
           </a:p>
@@ -3125,7 +3121,7 @@
           <a:p>
             <a:fld id="{4509A250-FF31-4206-8172-F9D3106AACB1}" type="datetimeFigureOut">
               <a:rPr lang="en-US" smtClean="0"/>
-              <a:t>7/27/2014</a:t>
+              <a:t>31-Jul-14</a:t>
             </a:fld>
             <a:endParaRPr lang="en-US" dirty="0"/>
           </a:p>
@@ -3325,7 +3321,7 @@
           <a:p>
             <a:fld id="{4509A250-FF31-4206-8172-F9D3106AACB1}" type="datetimeFigureOut">
               <a:rPr lang="en-US" smtClean="0"/>
-              <a:t>7/27/2014</a:t>
+              <a:t>31-Jul-14</a:t>
             </a:fld>
             <a:endParaRPr lang="en-US" dirty="0"/>
           </a:p>
@@ -3601,7 +3597,7 @@
           <a:p>
             <a:fld id="{9796027F-7875-4030-9381-8BD8C4F21935}" type="datetimeFigureOut">
               <a:rPr lang="en-US" smtClean="0"/>
-              <a:t>7/27/2014</a:t>
+              <a:t>31-Jul-14</a:t>
             </a:fld>
             <a:endParaRPr lang="en-US" dirty="0"/>
           </a:p>
@@ -3867,7 +3863,7 @@
           <a:p>
             <a:fld id="{9796027F-7875-4030-9381-8BD8C4F21935}" type="datetimeFigureOut">
               <a:rPr lang="en-US" smtClean="0"/>
-              <a:t>7/27/2014</a:t>
+              <a:t>31-Jul-14</a:t>
             </a:fld>
             <a:endParaRPr lang="en-US" dirty="0"/>
           </a:p>
@@ -4241,7 +4237,7 @@
           <a:p>
             <a:fld id="{9796027F-7875-4030-9381-8BD8C4F21935}" type="datetimeFigureOut">
               <a:rPr lang="en-US" smtClean="0"/>
-              <a:t>7/27/2014</a:t>
+              <a:t>31-Jul-14</a:t>
             </a:fld>
             <a:endParaRPr lang="en-US" dirty="0"/>
           </a:p>
@@ -4389,7 +4385,7 @@
           <a:p>
             <a:fld id="{4509A250-FF31-4206-8172-F9D3106AACB1}" type="datetimeFigureOut">
               <a:rPr lang="en-US" smtClean="0"/>
-              <a:t>7/27/2014</a:t>
+              <a:t>31-Jul-14</a:t>
             </a:fld>
             <a:endParaRPr lang="en-US" dirty="0"/>
           </a:p>
@@ -4514,7 +4510,7 @@
           <a:p>
             <a:fld id="{4509A250-FF31-4206-8172-F9D3106AACB1}" type="datetimeFigureOut">
               <a:rPr lang="en-US" smtClean="0"/>
-              <a:t>7/27/2014</a:t>
+              <a:t>31-Jul-14</a:t>
             </a:fld>
             <a:endParaRPr lang="en-US" dirty="0"/>
           </a:p>
@@ -4799,7 +4795,7 @@
           <a:p>
             <a:fld id="{4509A250-FF31-4206-8172-F9D3106AACB1}" type="datetimeFigureOut">
               <a:rPr lang="en-US" smtClean="0"/>
-              <a:t>7/27/2014</a:t>
+              <a:t>31-Jul-14</a:t>
             </a:fld>
             <a:endParaRPr lang="en-US" dirty="0"/>
           </a:p>
@@ -5123,7 +5119,7 @@
           <a:p>
             <a:fld id="{4509A250-FF31-4206-8172-F9D3106AACB1}" type="datetimeFigureOut">
               <a:rPr lang="en-US" smtClean="0"/>
-              <a:t>7/27/2014</a:t>
+              <a:t>31-Jul-14</a:t>
             </a:fld>
             <a:endParaRPr lang="en-US" dirty="0"/>
           </a:p>
@@ -5337,7 +5333,7 @@
           <a:p>
             <a:fld id="{4AAD347D-5ACD-4C99-B74B-A9C85AD731AF}" type="datetimeFigureOut">
               <a:rPr lang="en-US" smtClean="0"/>
-              <a:t>7/27/2014</a:t>
+              <a:t>31-Jul-14</a:t>
             </a:fld>
             <a:endParaRPr lang="en-US" dirty="0"/>
           </a:p>
@@ -5929,11 +5925,7 @@
           <a:p>
             <a:r>
               <a:rPr lang="en-US" b="1" dirty="0" smtClean="0"/>
-              <a:t>Team </a:t>
-            </a:r>
-            <a:r>
-              <a:rPr lang="en-US" b="1" dirty="0" smtClean="0"/>
-              <a:t>“</a:t>
+              <a:t>Team “</a:t>
             </a:r>
             <a:r>
               <a:rPr lang="en-US" b="1" dirty="0"/>
@@ -6437,54 +6429,51 @@
           </a:lstStyle>
           <a:p>
             <a:r>
-              <a:rPr lang="en-US" sz="2400" dirty="0" err="1" smtClean="0"/>
+              <a:rPr lang="en-US" sz="3600" dirty="0" err="1" smtClean="0"/>
               <a:t>Iliya</a:t>
             </a:r>
             <a:r>
-              <a:rPr lang="en-US" sz="2400" dirty="0" smtClean="0"/>
+              <a:rPr lang="en-US" sz="3600" dirty="0" smtClean="0"/>
               <a:t> </a:t>
             </a:r>
             <a:r>
-              <a:rPr lang="en-US" sz="2400" dirty="0" err="1" smtClean="0"/>
+              <a:rPr lang="en-US" sz="3600" dirty="0" err="1" smtClean="0"/>
               <a:t>Iliev</a:t>
             </a:r>
-            <a:endParaRPr lang="en-US" sz="2400" dirty="0" smtClean="0"/>
+            <a:endParaRPr lang="en-US" sz="3600" dirty="0" smtClean="0"/>
           </a:p>
           <a:p>
             <a:pPr lvl="1"/>
             <a:r>
-              <a:rPr lang="en-US" sz="1400" dirty="0" smtClean="0"/>
+              <a:rPr lang="en-US" sz="2000" dirty="0" smtClean="0"/>
               <a:t>Username: </a:t>
             </a:r>
             <a:r>
-              <a:rPr lang="en-US" sz="1400" b="1" dirty="0" err="1" smtClean="0"/>
+              <a:rPr lang="en-US" sz="2000" b="1" dirty="0" err="1" smtClean="0"/>
               <a:t>bsdemon</a:t>
             </a:r>
-            <a:endParaRPr lang="en-US" sz="1400" b="1" dirty="0" smtClean="0"/>
-          </a:p>
-          <a:p>
-            <a:endParaRPr lang="en-US" sz="2400" dirty="0" smtClean="0"/>
-          </a:p>
-          <a:p>
-            <a:endParaRPr lang="en-US" sz="2400" dirty="0" smtClean="0"/>
-          </a:p>
-          <a:p>
-            <a:endParaRPr lang="en-US" sz="2400" dirty="0" smtClean="0"/>
-          </a:p>
-          <a:p>
-            <a:r>
-              <a:rPr lang="en-US" sz="2400" dirty="0" smtClean="0"/>
+            <a:endParaRPr lang="en-US" sz="2000" b="1" dirty="0" smtClean="0"/>
+          </a:p>
+          <a:p>
+            <a:endParaRPr lang="en-US" sz="3600" dirty="0" smtClean="0"/>
+          </a:p>
+          <a:p>
+            <a:endParaRPr lang="en-US" sz="3600" dirty="0" smtClean="0"/>
+          </a:p>
+          <a:p>
+            <a:r>
+              <a:rPr lang="en-US" sz="3600" dirty="0" smtClean="0"/>
               <a:t>Zhan Ivanov</a:t>
             </a:r>
           </a:p>
           <a:p>
             <a:pPr lvl="1"/>
             <a:r>
-              <a:rPr lang="en-US" sz="1400" dirty="0" smtClean="0"/>
+              <a:rPr lang="en-US" sz="2000" dirty="0" smtClean="0"/>
               <a:t>Username: </a:t>
             </a:r>
             <a:r>
-              <a:rPr lang="en-US" sz="1400" b="1" dirty="0" smtClean="0"/>
+              <a:rPr lang="en-US" sz="2000" b="1" dirty="0" smtClean="0"/>
               <a:t>Shade</a:t>
             </a:r>
           </a:p>
@@ -6776,81 +6765,70 @@
           </a:lstStyle>
           <a:p>
             <a:r>
-              <a:rPr lang="en-US" sz="2400" dirty="0" err="1"/>
+              <a:rPr lang="en-US" sz="3600" dirty="0" err="1"/>
               <a:t>Radostin</a:t>
             </a:r>
             <a:r>
-              <a:rPr lang="en-US" sz="2400" dirty="0"/>
+              <a:rPr lang="en-US" sz="3600" dirty="0"/>
               <a:t> </a:t>
             </a:r>
             <a:r>
-              <a:rPr lang="en-US" sz="2400" dirty="0" err="1"/>
+              <a:rPr lang="en-US" sz="3600" dirty="0" err="1"/>
               <a:t>Avramov</a:t>
             </a:r>
-            <a:endParaRPr lang="en-US" sz="2400" dirty="0"/>
+            <a:endParaRPr lang="en-US" sz="3600" dirty="0"/>
           </a:p>
           <a:p>
             <a:pPr lvl="1"/>
             <a:r>
-              <a:rPr lang="en-US" sz="1400" dirty="0" smtClean="0"/>
-              <a:t>Username</a:t>
-            </a:r>
-            <a:r>
-              <a:rPr lang="en-US" sz="1400" dirty="0" smtClean="0"/>
-              <a:t>: </a:t>
-            </a:r>
-            <a:r>
-              <a:rPr lang="en-US" sz="1400" b="1" dirty="0"/>
+              <a:rPr lang="en-US" sz="2000" dirty="0" smtClean="0"/>
+              <a:t>Username: </a:t>
+            </a:r>
+            <a:r>
+              <a:rPr lang="en-US" sz="2000" b="1" dirty="0"/>
               <a:t>turboto5</a:t>
             </a:r>
-            <a:endParaRPr lang="en-US" sz="1400" b="1" dirty="0" smtClean="0"/>
-          </a:p>
-          <a:p>
-            <a:endParaRPr lang="en-US" sz="2400" dirty="0" smtClean="0"/>
-          </a:p>
-          <a:p>
-            <a:endParaRPr lang="en-US" sz="2400" dirty="0" smtClean="0"/>
-          </a:p>
-          <a:p>
-            <a:endParaRPr lang="en-US" sz="2400" dirty="0" smtClean="0"/>
-          </a:p>
-          <a:p>
-            <a:r>
-              <a:rPr lang="en-US" sz="2400" dirty="0" err="1"/>
+            <a:endParaRPr lang="en-US" sz="2000" b="1" dirty="0" smtClean="0"/>
+          </a:p>
+          <a:p>
+            <a:endParaRPr lang="en-US" sz="3600" dirty="0" smtClean="0"/>
+          </a:p>
+          <a:p>
+            <a:endParaRPr lang="en-US" sz="3600" dirty="0" smtClean="0"/>
+          </a:p>
+          <a:p>
+            <a:r>
+              <a:rPr lang="en-US" sz="3600" dirty="0" err="1"/>
               <a:t>Boni</a:t>
             </a:r>
             <a:r>
-              <a:rPr lang="en-US" sz="2400" dirty="0"/>
+              <a:rPr lang="en-US" sz="3600" dirty="0"/>
               <a:t> </a:t>
             </a:r>
             <a:r>
-              <a:rPr lang="en-US" sz="2400" dirty="0" err="1"/>
+              <a:rPr lang="en-US" sz="3600" dirty="0" err="1"/>
               <a:t>Mislyashki</a:t>
             </a:r>
-            <a:endParaRPr lang="en-US" sz="2400" dirty="0"/>
+            <a:endParaRPr lang="en-US" sz="3600" dirty="0"/>
           </a:p>
           <a:p>
             <a:pPr lvl="1"/>
             <a:r>
-              <a:rPr lang="en-US" sz="1400" dirty="0" smtClean="0"/>
-              <a:t>Username</a:t>
-            </a:r>
-            <a:r>
-              <a:rPr lang="en-US" sz="1400" dirty="0" smtClean="0"/>
-              <a:t>: </a:t>
-            </a:r>
-            <a:r>
-              <a:rPr lang="en-US" sz="1400" b="1" dirty="0" smtClean="0"/>
-              <a:t>Shade</a:t>
-            </a:r>
-            <a:endParaRPr lang="en-US" sz="1400" b="1" dirty="0" smtClean="0"/>
+              <a:rPr lang="en-US" sz="2000" dirty="0" smtClean="0"/>
+              <a:t>Username: </a:t>
+            </a:r>
+            <a:r>
+              <a:rPr lang="en-US" sz="2000" b="1" dirty="0" err="1" smtClean="0"/>
+              <a:t>BoniMislyashki</a:t>
+            </a:r>
+            <a:endParaRPr lang="en-US" sz="2000" b="1" dirty="0" smtClean="0"/>
           </a:p>
           <a:p>
             <a:pPr marL="457200" lvl="1" indent="0">
               <a:buFont typeface="Wingdings 3" charset="2"/>
               <a:buNone/>
             </a:pPr>
-            <a:endParaRPr lang="en-US" sz="1600" b="1" dirty="0" smtClean="0"/>
+            <a:endParaRPr lang="en-US" sz="2000" b="1" dirty="0" smtClean="0"/>
           </a:p>
         </p:txBody>
       </p:sp>
@@ -7340,13 +7318,13 @@
   <p:clrMapOvr>
     <a:masterClrMapping/>
   </p:clrMapOvr>
-  <mc:AlternateContent xmlns:mc="http://schemas.openxmlformats.org/markup-compatibility/2006" xmlns:p15="http://schemas.microsoft.com/office/powerpoint/2012/main">
-    <mc:Choice Requires="p15">
+  <mc:AlternateContent xmlns:mc="http://schemas.openxmlformats.org/markup-compatibility/2006">
+    <mc:Choice xmlns:p15="http://schemas.microsoft.com/office/powerpoint/2012/main" xmlns="" Requires="p15">
       <p:transition xmlns:p14="http://schemas.microsoft.com/office/powerpoint/2010/main" spd="slow" p14:dur="6000">
         <p15:prstTrans prst="curtains"/>
       </p:transition>
     </mc:Choice>
-    <mc:Fallback xmlns="">
+    <mc:Fallback>
       <p:transition spd="slow">
         <p:fade/>
       </p:transition>
@@ -7399,10 +7377,6 @@
           <a:bodyPr/>
           <a:lstStyle/>
           <a:p>
-            <a:r>
-              <a:rPr lang="en-US" dirty="0" smtClean="0"/>
-              <a:t>Thank you for your attention</a:t>
-            </a:r>
             <a:endParaRPr lang="en-US" dirty="0"/>
           </a:p>
         </p:txBody>
@@ -7527,13 +7501,13 @@
   <p:clrMapOvr>
     <a:masterClrMapping/>
   </p:clrMapOvr>
-  <mc:AlternateContent xmlns:mc="http://schemas.openxmlformats.org/markup-compatibility/2006" xmlns:p15="http://schemas.microsoft.com/office/powerpoint/2012/main">
-    <mc:Choice Requires="p15">
+  <mc:AlternateContent xmlns:mc="http://schemas.openxmlformats.org/markup-compatibility/2006">
+    <mc:Choice xmlns:p15="http://schemas.microsoft.com/office/powerpoint/2012/main" xmlns="" Requires="p15">
       <p:transition xmlns:p14="http://schemas.microsoft.com/office/powerpoint/2010/main" spd="slow" p14:dur="1250">
         <p15:prstTrans prst="peelOff"/>
       </p:transition>
     </mc:Choice>
-    <mc:Fallback xmlns="">
+    <mc:Fallback>
       <p:transition spd="slow">
         <p:fade/>
       </p:transition>
@@ -7792,7 +7766,7 @@
   <a:extraClrSchemeLst/>
   <a:extLst>
     <a:ext uri="{05A4C25C-085E-4340-85A3-A5531E510DB2}">
-      <thm15:themeFamily xmlns:thm15="http://schemas.microsoft.com/office/thememl/2012/main" name="Celestial" id="{C4BB2A3D-0E93-4C5F-B0D2-9D3FCE089CC5}" vid="{61DDDE80-2DFA-4F2A-B66F-72059846BDAA}"/>
+      <thm15:themeFamily xmlns:thm15="http://schemas.microsoft.com/office/thememl/2012/main" xmlns="" name="Celestial" id="{C4BB2A3D-0E93-4C5F-B0D2-9D3FCE089CC5}" vid="{61DDDE80-2DFA-4F2A-B66F-72059846BDAA}"/>
     </a:ext>
   </a:extLst>
 </a:theme>
